--- a/images/theory_analysis/Kubernetes_PKI/Kubernetes_PKI.pptx
+++ b/images/theory_analysis/Kubernetes_PKI/Kubernetes_PKI.pptx
@@ -11152,7 +11152,7 @@
           <a:p>
             <a:fld id="{6CD5550B-26C4-49A9-A5BA-636EF7BE6CE9}" type="datetimeFigureOut">
               <a:rPr lang="ko-KR" altLang="en-US" smtClean="0"/>
-              <a:t>2020-03-21</a:t>
+              <a:t>2020-03-24</a:t>
             </a:fld>
             <a:endParaRPr lang="ko-KR" altLang="en-US"/>
           </a:p>
@@ -11934,7 +11934,7 @@
           <a:p>
             <a:fld id="{FB30EDBD-1C2D-4C1E-B459-B60219FAB484}" type="datetimeFigureOut">
               <a:rPr lang="ko-KR" altLang="en-US" smtClean="0"/>
-              <a:t>2020-03-21</a:t>
+              <a:t>2020-03-24</a:t>
             </a:fld>
             <a:endParaRPr lang="ko-KR" altLang="en-US"/>
           </a:p>
@@ -12097,7 +12097,7 @@
           <a:p>
             <a:fld id="{FB30EDBD-1C2D-4C1E-B459-B60219FAB484}" type="datetimeFigureOut">
               <a:rPr lang="ko-KR" altLang="en-US" smtClean="0"/>
-              <a:t>2020-03-21</a:t>
+              <a:t>2020-03-24</a:t>
             </a:fld>
             <a:endParaRPr lang="ko-KR" altLang="en-US"/>
           </a:p>
@@ -12270,7 +12270,7 @@
           <a:p>
             <a:fld id="{FB30EDBD-1C2D-4C1E-B459-B60219FAB484}" type="datetimeFigureOut">
               <a:rPr lang="ko-KR" altLang="en-US" smtClean="0"/>
-              <a:t>2020-03-21</a:t>
+              <a:t>2020-03-24</a:t>
             </a:fld>
             <a:endParaRPr lang="ko-KR" altLang="en-US"/>
           </a:p>
@@ -12433,7 +12433,7 @@
           <a:p>
             <a:fld id="{FB30EDBD-1C2D-4C1E-B459-B60219FAB484}" type="datetimeFigureOut">
               <a:rPr lang="ko-KR" altLang="en-US" smtClean="0"/>
-              <a:t>2020-03-21</a:t>
+              <a:t>2020-03-24</a:t>
             </a:fld>
             <a:endParaRPr lang="ko-KR" altLang="en-US"/>
           </a:p>
@@ -12673,7 +12673,7 @@
           <a:p>
             <a:fld id="{FB30EDBD-1C2D-4C1E-B459-B60219FAB484}" type="datetimeFigureOut">
               <a:rPr lang="ko-KR" altLang="en-US" smtClean="0"/>
-              <a:t>2020-03-21</a:t>
+              <a:t>2020-03-24</a:t>
             </a:fld>
             <a:endParaRPr lang="ko-KR" altLang="en-US"/>
           </a:p>
@@ -12953,7 +12953,7 @@
           <a:p>
             <a:fld id="{FB30EDBD-1C2D-4C1E-B459-B60219FAB484}" type="datetimeFigureOut">
               <a:rPr lang="ko-KR" altLang="en-US" smtClean="0"/>
-              <a:t>2020-03-21</a:t>
+              <a:t>2020-03-24</a:t>
             </a:fld>
             <a:endParaRPr lang="ko-KR" altLang="en-US"/>
           </a:p>
@@ -13367,7 +13367,7 @@
           <a:p>
             <a:fld id="{FB30EDBD-1C2D-4C1E-B459-B60219FAB484}" type="datetimeFigureOut">
               <a:rPr lang="ko-KR" altLang="en-US" smtClean="0"/>
-              <a:t>2020-03-21</a:t>
+              <a:t>2020-03-24</a:t>
             </a:fld>
             <a:endParaRPr lang="ko-KR" altLang="en-US"/>
           </a:p>
@@ -13479,7 +13479,7 @@
           <a:p>
             <a:fld id="{FB30EDBD-1C2D-4C1E-B459-B60219FAB484}" type="datetimeFigureOut">
               <a:rPr lang="ko-KR" altLang="en-US" smtClean="0"/>
-              <a:t>2020-03-21</a:t>
+              <a:t>2020-03-24</a:t>
             </a:fld>
             <a:endParaRPr lang="ko-KR" altLang="en-US"/>
           </a:p>
@@ -13569,7 +13569,7 @@
           <a:p>
             <a:fld id="{FB30EDBD-1C2D-4C1E-B459-B60219FAB484}" type="datetimeFigureOut">
               <a:rPr lang="ko-KR" altLang="en-US" smtClean="0"/>
-              <a:t>2020-03-21</a:t>
+              <a:t>2020-03-24</a:t>
             </a:fld>
             <a:endParaRPr lang="ko-KR" altLang="en-US"/>
           </a:p>
@@ -13839,7 +13839,7 @@
           <a:p>
             <a:fld id="{FB30EDBD-1C2D-4C1E-B459-B60219FAB484}" type="datetimeFigureOut">
               <a:rPr lang="ko-KR" altLang="en-US" smtClean="0"/>
-              <a:t>2020-03-21</a:t>
+              <a:t>2020-03-24</a:t>
             </a:fld>
             <a:endParaRPr lang="ko-KR" altLang="en-US"/>
           </a:p>
@@ -14086,7 +14086,7 @@
           <a:p>
             <a:fld id="{FB30EDBD-1C2D-4C1E-B459-B60219FAB484}" type="datetimeFigureOut">
               <a:rPr lang="ko-KR" altLang="en-US" smtClean="0"/>
-              <a:t>2020-03-21</a:t>
+              <a:t>2020-03-24</a:t>
             </a:fld>
             <a:endParaRPr lang="ko-KR" altLang="en-US"/>
           </a:p>
@@ -14292,7 +14292,7 @@
           <a:p>
             <a:fld id="{FB30EDBD-1C2D-4C1E-B459-B60219FAB484}" type="datetimeFigureOut">
               <a:rPr lang="ko-KR" altLang="en-US" smtClean="0"/>
-              <a:t>2020-03-21</a:t>
+              <a:t>2020-03-24</a:t>
             </a:fld>
             <a:endParaRPr lang="ko-KR" altLang="en-US"/>
           </a:p>
@@ -14832,7 +14832,7 @@
             </a:r>
             <a:r>
               <a:rPr lang="en-US" altLang="ko-KR" sz="1050"/>
-              <a:t>Master Node A</a:t>
+              <a:t>Master Node</a:t>
             </a:r>
             <a:endParaRPr lang="ko-KR" altLang="en-US" sz="1050" dirty="0"/>
           </a:p>
@@ -14883,7 +14883,7 @@
             <a:pPr algn="ctr"/>
             <a:r>
               <a:rPr lang="en-US" altLang="ko-KR" sz="1000"/>
-              <a:t>K8s API Server A</a:t>
+              <a:t>K8s API Server</a:t>
             </a:r>
             <a:endParaRPr lang="ko-KR" altLang="en-US" sz="1000" dirty="0"/>
           </a:p>
@@ -14934,7 +14934,7 @@
             <a:pPr algn="ctr"/>
             <a:r>
               <a:rPr lang="en-US" altLang="ko-KR" sz="1000"/>
-              <a:t>etcd Server A</a:t>
+              <a:t>etcd Server</a:t>
             </a:r>
             <a:endParaRPr lang="ko-KR" altLang="en-US" sz="1000" dirty="0"/>
           </a:p>
@@ -15046,10 +15046,10 @@
           <a:p>
             <a:pPr algn="ctr"/>
             <a:r>
-              <a:rPr lang="en-US" altLang="ko-KR" sz="1000"/>
-              <a:t>etcd/peer.crt,key A</a:t>
+              <a:rPr lang="en-US" altLang="ko-KR" sz="1000" b="1"/>
+              <a:t>etcd/peer.crt,key </a:t>
             </a:r>
-            <a:endParaRPr lang="ko-KR" altLang="en-US" sz="1000" dirty="0"/>
+            <a:endParaRPr lang="ko-KR" altLang="en-US" sz="1000" b="1" dirty="0"/>
           </a:p>
         </p:txBody>
       </p:sp>
@@ -15104,10 +15104,10 @@
           <a:p>
             <a:pPr algn="ctr"/>
             <a:r>
-              <a:rPr lang="en-US" altLang="ko-KR" sz="1000"/>
-              <a:t>etcd/server.crt,key A</a:t>
+              <a:rPr lang="en-US" altLang="ko-KR" sz="1000" b="1"/>
+              <a:t>etcd/server.crt,key </a:t>
             </a:r>
-            <a:endParaRPr lang="ko-KR" altLang="en-US" sz="1000" dirty="0"/>
+            <a:endParaRPr lang="ko-KR" altLang="en-US" sz="1000" b="1" dirty="0"/>
           </a:p>
         </p:txBody>
       </p:sp>
@@ -15380,10 +15380,10 @@
           <a:p>
             <a:pPr algn="ctr"/>
             <a:r>
-              <a:rPr lang="en-US" altLang="ko-KR" sz="1000"/>
-              <a:t>apiserver-etcd-client.crt,key A</a:t>
+              <a:rPr lang="en-US" altLang="ko-KR" sz="1000" b="1"/>
+              <a:t>apiserver-etcd-client.crt,key</a:t>
             </a:r>
-            <a:endParaRPr lang="ko-KR" altLang="en-US" sz="1000" dirty="0"/>
+            <a:endParaRPr lang="ko-KR" altLang="en-US" sz="1000" b="1" dirty="0"/>
           </a:p>
         </p:txBody>
       </p:sp>
@@ -15601,7 +15601,7 @@
             <a:pPr algn="ctr"/>
             <a:r>
               <a:rPr lang="en-US" altLang="ko-KR" sz="1000"/>
-              <a:t>K8s Controller Manager A </a:t>
+              <a:t>K8s Controller Manager </a:t>
             </a:r>
             <a:endParaRPr lang="ko-KR" altLang="en-US" sz="1000" dirty="0"/>
           </a:p>
@@ -15902,8 +15902,8 @@
         </p:nvCxnSpPr>
         <p:spPr>
           <a:xfrm flipV="1">
-            <a:off x="1783287" y="2183992"/>
-            <a:ext cx="489860" cy="1054562"/>
+            <a:off x="1793082" y="2183991"/>
+            <a:ext cx="480064" cy="1054563"/>
           </a:xfrm>
           <a:prstGeom prst="line">
             <a:avLst/>
@@ -16001,8 +16001,8 @@
         </p:nvSpPr>
         <p:spPr>
           <a:xfrm>
-            <a:off x="679864" y="1299853"/>
-            <a:ext cx="1113091" cy="257008"/>
+            <a:off x="642982" y="1299853"/>
+            <a:ext cx="1186856" cy="257008"/>
           </a:xfrm>
           <a:prstGeom prst="roundRect">
             <a:avLst>
@@ -16038,54 +16038,6 @@
           </a:p>
         </p:txBody>
       </p:sp>
-      <p:cxnSp>
-        <p:nvCxnSpPr>
-          <p:cNvPr id="54" name="직선 연결선 53">
-            <a:extLst>
-              <a:ext uri="{FF2B5EF4-FFF2-40B4-BE49-F238E27FC236}">
-                <a16:creationId xmlns:a16="http://schemas.microsoft.com/office/drawing/2014/main" id="{8EA0992D-09B9-4696-9365-6BA43A9EAA9E}"/>
-              </a:ext>
-            </a:extLst>
-          </p:cNvPr>
-          <p:cNvCxnSpPr>
-            <a:cxnSpLocks/>
-            <a:stCxn id="53" idx="3"/>
-            <a:endCxn id="15" idx="1"/>
-          </p:cNvCxnSpPr>
-          <p:nvPr/>
-        </p:nvCxnSpPr>
-        <p:spPr>
-          <a:xfrm>
-            <a:off x="1792954" y="1428357"/>
-            <a:ext cx="480192" cy="371697"/>
-          </a:xfrm>
-          <a:prstGeom prst="line">
-            <a:avLst/>
-          </a:prstGeom>
-          <a:ln w="19050">
-            <a:solidFill>
-              <a:schemeClr val="tx1"/>
-            </a:solidFill>
-            <a:prstDash val="dash"/>
-            <a:headEnd type="none" w="med" len="med"/>
-            <a:tailEnd type="arrow" w="med" len="med"/>
-          </a:ln>
-        </p:spPr>
-        <p:style>
-          <a:lnRef idx="1">
-            <a:schemeClr val="accent1"/>
-          </a:lnRef>
-          <a:fillRef idx="0">
-            <a:schemeClr val="accent1"/>
-          </a:fillRef>
-          <a:effectRef idx="0">
-            <a:schemeClr val="accent1"/>
-          </a:effectRef>
-          <a:fontRef idx="minor">
-            <a:schemeClr val="tx1"/>
-          </a:fontRef>
-        </p:style>
-      </p:cxnSp>
       <p:sp>
         <p:nvSpPr>
           <p:cNvPr id="74" name="모서리가 둥근 직사각형 44">
@@ -16100,8 +16052,8 @@
         </p:nvSpPr>
         <p:spPr>
           <a:xfrm>
-            <a:off x="678827" y="360771"/>
-            <a:ext cx="1113091" cy="943849"/>
+            <a:off x="641945" y="360771"/>
+            <a:ext cx="1186856" cy="943849"/>
           </a:xfrm>
           <a:prstGeom prst="roundRect">
             <a:avLst>
@@ -16257,8 +16209,8 @@
         </p:nvSpPr>
         <p:spPr>
           <a:xfrm>
-            <a:off x="713295" y="3100099"/>
-            <a:ext cx="1069991" cy="276910"/>
+            <a:off x="703500" y="3100099"/>
+            <a:ext cx="1089582" cy="276910"/>
           </a:xfrm>
           <a:prstGeom prst="roundRect">
             <a:avLst>
@@ -16291,10 +16243,10 @@
           <a:p>
             <a:pPr lvl="0" algn="ctr"/>
             <a:r>
-              <a:rPr lang="en-US" altLang="ko-KR" sz="1000"/>
+              <a:rPr lang="en-US" altLang="ko-KR" sz="1000" b="1"/>
               <a:t>kubelet.crt,key</a:t>
             </a:r>
-            <a:endParaRPr lang="ko-KR" altLang="en-US" sz="1000"/>
+            <a:endParaRPr lang="ko-KR" altLang="en-US" sz="1000" b="1"/>
           </a:p>
         </p:txBody>
       </p:sp>
@@ -16316,8 +16268,8 @@
         </p:nvCxnSpPr>
         <p:spPr>
           <a:xfrm flipH="1" flipV="1">
-            <a:off x="4102421" y="747805"/>
-            <a:ext cx="1775534" cy="1051473"/>
+            <a:off x="4102422" y="747804"/>
+            <a:ext cx="1775533" cy="1051473"/>
           </a:xfrm>
           <a:prstGeom prst="line">
             <a:avLst/>
@@ -16415,8 +16367,8 @@
         </p:nvSpPr>
         <p:spPr>
           <a:xfrm>
-            <a:off x="3103814" y="444526"/>
-            <a:ext cx="1997215" cy="303278"/>
+            <a:off x="3077419" y="444526"/>
+            <a:ext cx="2050006" cy="303278"/>
           </a:xfrm>
           <a:prstGeom prst="roundRect">
             <a:avLst>
@@ -16452,10 +16404,10 @@
           <a:p>
             <a:pPr lvl="0" algn="ctr"/>
             <a:r>
-              <a:rPr lang="en-US" altLang="ko-KR" sz="1000"/>
+              <a:rPr lang="en-US" altLang="ko-KR" sz="1000" b="1"/>
               <a:t>etcd/healthcheck-client.crt,key</a:t>
             </a:r>
-            <a:endParaRPr lang="ko-KR" altLang="en-US" sz="1000"/>
+            <a:endParaRPr lang="ko-KR" altLang="en-US" sz="1000" b="1"/>
           </a:p>
         </p:txBody>
       </p:sp>
@@ -16521,8 +16473,8 @@
         </p:nvSpPr>
         <p:spPr>
           <a:xfrm>
-            <a:off x="765918" y="791256"/>
-            <a:ext cx="947261" cy="276910"/>
+            <a:off x="742951" y="791256"/>
+            <a:ext cx="993196" cy="276910"/>
           </a:xfrm>
           <a:prstGeom prst="roundRect">
             <a:avLst>
@@ -16555,10 +16507,10 @@
           <a:p>
             <a:pPr lvl="0" algn="ctr"/>
             <a:r>
-              <a:rPr lang="en-US" altLang="ko-KR" sz="1000"/>
+              <a:rPr lang="en-US" altLang="ko-KR" sz="1000" b="1"/>
               <a:t>client.crt,key</a:t>
             </a:r>
-            <a:endParaRPr lang="ko-KR" altLang="en-US" sz="1000"/>
+            <a:endParaRPr lang="ko-KR" altLang="en-US" sz="1000" b="1"/>
           </a:p>
         </p:txBody>
       </p:sp>
@@ -16580,8 +16532,8 @@
         </p:nvCxnSpPr>
         <p:spPr>
           <a:xfrm>
-            <a:off x="1713179" y="929711"/>
-            <a:ext cx="559967" cy="870343"/>
+            <a:off x="1736147" y="929711"/>
+            <a:ext cx="536999" cy="870342"/>
           </a:xfrm>
           <a:prstGeom prst="line">
             <a:avLst/>
@@ -16655,7 +16607,7 @@
             <a:pPr algn="ctr"/>
             <a:r>
               <a:rPr lang="en-US" altLang="ko-KR" sz="1050"/>
-              <a:t>K8s Master Node B</a:t>
+              <a:t>K8s Master Node</a:t>
             </a:r>
             <a:endParaRPr lang="ko-KR" altLang="en-US" sz="1050" dirty="0"/>
           </a:p>
@@ -16706,7 +16658,7 @@
             <a:pPr algn="ctr"/>
             <a:r>
               <a:rPr lang="en-US" altLang="ko-KR" sz="1000"/>
-              <a:t>etcd Server B</a:t>
+              <a:t>etcd Server</a:t>
             </a:r>
             <a:endParaRPr lang="ko-KR" altLang="en-US" sz="1000" dirty="0"/>
           </a:p>
@@ -16818,10 +16770,10 @@
           <a:p>
             <a:pPr algn="ctr"/>
             <a:r>
-              <a:rPr lang="en-US" altLang="ko-KR" sz="1000"/>
-              <a:t>etcd/peer.crt,key B</a:t>
+              <a:rPr lang="en-US" altLang="ko-KR" sz="1000" b="1"/>
+              <a:t>etcd/peer.crt,key </a:t>
             </a:r>
-            <a:endParaRPr lang="ko-KR" altLang="en-US" sz="1000" dirty="0"/>
+            <a:endParaRPr lang="ko-KR" altLang="en-US" sz="1000" b="1" dirty="0"/>
           </a:p>
         </p:txBody>
       </p:sp>
@@ -16936,8 +16888,8 @@
         </p:nvSpPr>
         <p:spPr>
           <a:xfrm>
-            <a:off x="765918" y="2162655"/>
-            <a:ext cx="947261" cy="276910"/>
+            <a:off x="742951" y="2162655"/>
+            <a:ext cx="993196" cy="276910"/>
           </a:xfrm>
           <a:prstGeom prst="roundRect">
             <a:avLst>
@@ -16970,10 +16922,10 @@
           <a:p>
             <a:pPr lvl="0" algn="ctr"/>
             <a:r>
-              <a:rPr lang="en-US" altLang="ko-KR" sz="1000"/>
+              <a:rPr lang="en-US" altLang="ko-KR" sz="1000" b="1"/>
               <a:t>client.crt,key</a:t>
             </a:r>
-            <a:endParaRPr lang="ko-KR" altLang="en-US" sz="1000"/>
+            <a:endParaRPr lang="ko-KR" altLang="en-US" sz="1000" b="1"/>
           </a:p>
         </p:txBody>
       </p:sp>
@@ -16995,8 +16947,8 @@
         </p:nvCxnSpPr>
         <p:spPr>
           <a:xfrm flipH="1">
-            <a:off x="1713179" y="1800054"/>
-            <a:ext cx="559967" cy="501057"/>
+            <a:off x="1736147" y="1800053"/>
+            <a:ext cx="536999" cy="501057"/>
           </a:xfrm>
           <a:prstGeom prst="line">
             <a:avLst/>
@@ -17200,8 +17152,8 @@
         </p:nvSpPr>
         <p:spPr>
           <a:xfrm>
-            <a:off x="6630722" y="3422110"/>
-            <a:ext cx="947261" cy="276910"/>
+            <a:off x="6623585" y="3422110"/>
+            <a:ext cx="961536" cy="276910"/>
           </a:xfrm>
           <a:prstGeom prst="roundRect">
             <a:avLst>
@@ -17234,10 +17186,10 @@
           <a:p>
             <a:pPr lvl="0" algn="ctr"/>
             <a:r>
-              <a:rPr lang="en-US" altLang="ko-KR" sz="1000"/>
+              <a:rPr lang="en-US" altLang="ko-KR" sz="1000" b="1"/>
               <a:t>client.crt,key</a:t>
             </a:r>
-            <a:endParaRPr lang="ko-KR" altLang="en-US" sz="1000"/>
+            <a:endParaRPr lang="ko-KR" altLang="en-US" sz="1000" b="1"/>
           </a:p>
         </p:txBody>
       </p:sp>
@@ -17259,8 +17211,8 @@
         </p:nvCxnSpPr>
         <p:spPr>
           <a:xfrm>
-            <a:off x="3426861" y="1800054"/>
-            <a:ext cx="3203861" cy="1760511"/>
+            <a:off x="3426861" y="1800053"/>
+            <a:ext cx="3196724" cy="1760512"/>
           </a:xfrm>
           <a:prstGeom prst="line">
             <a:avLst/>
@@ -17334,7 +17286,7 @@
             <a:pPr algn="ctr"/>
             <a:r>
               <a:rPr lang="en-US" altLang="ko-KR" sz="1000"/>
-              <a:t>K8s Scheduler A </a:t>
+              <a:t>K8s Scheduler </a:t>
             </a:r>
             <a:endParaRPr lang="ko-KR" altLang="en-US" sz="1000" dirty="0"/>
           </a:p>
@@ -17460,8 +17412,8 @@
         </p:nvSpPr>
         <p:spPr>
           <a:xfrm>
-            <a:off x="4257669" y="3777735"/>
-            <a:ext cx="947261" cy="276910"/>
+            <a:off x="4250532" y="3777735"/>
+            <a:ext cx="961536" cy="276910"/>
           </a:xfrm>
           <a:prstGeom prst="roundRect">
             <a:avLst>
@@ -17494,10 +17446,10 @@
           <a:p>
             <a:pPr lvl="0" algn="ctr"/>
             <a:r>
-              <a:rPr lang="en-US" altLang="ko-KR" sz="1000"/>
+              <a:rPr lang="en-US" altLang="ko-KR" sz="1000" b="1"/>
               <a:t>client.crt,key</a:t>
             </a:r>
-            <a:endParaRPr lang="ko-KR" altLang="en-US" sz="1000"/>
+            <a:endParaRPr lang="ko-KR" altLang="en-US" sz="1000" b="1"/>
           </a:p>
         </p:txBody>
       </p:sp>
@@ -17662,8 +17614,8 @@
         </p:nvSpPr>
         <p:spPr>
           <a:xfrm>
-            <a:off x="6056459" y="2776714"/>
-            <a:ext cx="1299644" cy="303278"/>
+            <a:off x="6027194" y="2776714"/>
+            <a:ext cx="1358174" cy="303278"/>
           </a:xfrm>
           <a:prstGeom prst="roundRect">
             <a:avLst>
@@ -17696,10 +17648,10 @@
           <a:p>
             <a:pPr lvl="0" algn="ctr"/>
             <a:r>
-              <a:rPr lang="en-US" altLang="ko-KR" sz="1000"/>
+              <a:rPr lang="en-US" altLang="ko-KR" sz="1000" b="1"/>
               <a:t>in-memory.crt,key</a:t>
             </a:r>
-            <a:endParaRPr lang="ko-KR" altLang="en-US" sz="1000"/>
+            <a:endParaRPr lang="ko-KR" altLang="en-US" sz="1000" b="1"/>
           </a:p>
         </p:txBody>
       </p:sp>
@@ -17717,8 +17669,8 @@
         </p:nvSpPr>
         <p:spPr>
           <a:xfrm>
-            <a:off x="3751849" y="3143240"/>
-            <a:ext cx="1330951" cy="303278"/>
+            <a:off x="3755444" y="3143240"/>
+            <a:ext cx="1323762" cy="303278"/>
           </a:xfrm>
           <a:prstGeom prst="roundRect">
             <a:avLst>
@@ -17751,10 +17703,10 @@
           <a:p>
             <a:pPr lvl="0" algn="ctr"/>
             <a:r>
-              <a:rPr lang="en-US" altLang="ko-KR" sz="1000"/>
+              <a:rPr lang="en-US" altLang="ko-KR" sz="1000" b="1"/>
               <a:t>in-memory.crt,key</a:t>
             </a:r>
-            <a:endParaRPr lang="ko-KR" altLang="en-US" sz="1000"/>
+            <a:endParaRPr lang="ko-KR" altLang="en-US" sz="1000" b="1"/>
           </a:p>
         </p:txBody>
       </p:sp>
@@ -17776,8 +17728,8 @@
         </p:nvCxnSpPr>
         <p:spPr>
           <a:xfrm>
-            <a:off x="2850004" y="1951693"/>
-            <a:ext cx="1881295" cy="1826042"/>
+            <a:off x="2850004" y="1951692"/>
+            <a:ext cx="1881296" cy="1826043"/>
           </a:xfrm>
           <a:prstGeom prst="line">
             <a:avLst/>
@@ -18011,6 +17963,66 @@
           </a:fontRef>
         </p:style>
       </p:cxnSp>
+      <p:sp>
+        <p:nvSpPr>
+          <p:cNvPr id="25" name="TextBox 24">
+            <a:extLst>
+              <a:ext uri="{FF2B5EF4-FFF2-40B4-BE49-F238E27FC236}">
+                <a16:creationId xmlns:a16="http://schemas.microsoft.com/office/drawing/2014/main" id="{781097A3-7496-4024-8447-573823D318C4}"/>
+              </a:ext>
+            </a:extLst>
+          </p:cNvPr>
+          <p:cNvSpPr txBox="1"/>
+          <p:nvPr/>
+        </p:nvSpPr>
+        <p:spPr>
+          <a:xfrm>
+            <a:off x="564441" y="4558357"/>
+            <a:ext cx="2351375" cy="461665"/>
+          </a:xfrm>
+          <a:prstGeom prst="rect">
+            <a:avLst/>
+          </a:prstGeom>
+          <a:noFill/>
+          <a:ln w="19050">
+            <a:solidFill>
+              <a:schemeClr val="tx1"/>
+            </a:solidFill>
+            <a:prstDash val="dash"/>
+          </a:ln>
+        </p:spPr>
+        <p:txBody>
+          <a:bodyPr wrap="square" rtlCol="0" anchor="ctr">
+            <a:spAutoFit/>
+          </a:bodyPr>
+          <a:lstStyle/>
+          <a:p>
+            <a:r>
+              <a:rPr lang="en-US" altLang="ko-KR" sz="1200"/>
+              <a:t>Non-bold : Share In</a:t>
+            </a:r>
+            <a:r>
+              <a:rPr lang="ko-KR" altLang="en-US" sz="1200"/>
+              <a:t> </a:t>
+            </a:r>
+            <a:r>
+              <a:rPr lang="en-US" altLang="ko-KR" sz="1200"/>
+              <a:t>Cluster</a:t>
+            </a:r>
+          </a:p>
+          <a:p>
+            <a:r>
+              <a:rPr lang="en-US" altLang="ko-KR" sz="1200" b="1"/>
+              <a:t>Bold</a:t>
+            </a:r>
+            <a:r>
+              <a:rPr lang="en-US" altLang="ko-KR" sz="1200"/>
+              <a:t> : Non-share</a:t>
+            </a:r>
+            <a:endParaRPr lang="ko-KR" altLang="en-US" sz="1200"/>
+          </a:p>
+        </p:txBody>
+      </p:sp>
     </p:spTree>
     <p:extLst>
       <p:ext uri="{BB962C8B-B14F-4D97-AF65-F5344CB8AC3E}">
